--- a/CapstoneProject1/FinalFiles/Final Presentation.pptx
+++ b/CapstoneProject1/FinalFiles/Final Presentation.pptx
@@ -360,7 +360,7 @@
           <a:p>
             <a:fld id="{ED291B17-9318-49DB-B28B-6E5994AE9581}" type="datetime1">
               <a:rPr lang="en-US" smtClean="0"/>
-              <a:t>4/27/2020</a:t>
+              <a:t>4/30/2020</a:t>
             </a:fld>
             <a:endParaRPr lang="en-US" dirty="0"/>
           </a:p>
@@ -563,7 +563,7 @@
           <a:p>
             <a:fld id="{2CED4963-E985-44C4-B8C4-FDD613B7C2F8}" type="datetime1">
               <a:rPr lang="en-US" smtClean="0"/>
-              <a:t>4/27/2020</a:t>
+              <a:t>4/30/2020</a:t>
             </a:fld>
             <a:endParaRPr lang="en-US" dirty="0"/>
           </a:p>
@@ -925,7 +925,7 @@
           <a:p>
             <a:fld id="{ED291B17-9318-49DB-B28B-6E5994AE9581}" type="datetime1">
               <a:rPr lang="en-US" smtClean="0"/>
-              <a:t>4/27/2020</a:t>
+              <a:t>4/30/2020</a:t>
             </a:fld>
             <a:endParaRPr lang="en-US" dirty="0"/>
           </a:p>
@@ -1123,7 +1123,7 @@
           <a:p>
             <a:fld id="{78DD82B9-B8EE-4375-B6FF-88FA6ABB15D9}" type="datetime1">
               <a:rPr lang="en-US" smtClean="0"/>
-              <a:t>4/27/2020</a:t>
+              <a:t>4/30/2020</a:t>
             </a:fld>
             <a:endParaRPr lang="en-US" dirty="0"/>
           </a:p>
@@ -1435,7 +1435,7 @@
           <a:p>
             <a:fld id="{B2497495-0637-405E-AE64-5CC7506D51F5}" type="datetime1">
               <a:rPr lang="en-US" smtClean="0"/>
-              <a:t>4/27/2020</a:t>
+              <a:t>4/30/2020</a:t>
             </a:fld>
             <a:endParaRPr lang="en-US" dirty="0"/>
           </a:p>
@@ -1688,7 +1688,7 @@
           <a:p>
             <a:fld id="{7BFFD690-9426-415D-8B65-26881E07B2D4}" type="datetime1">
               <a:rPr lang="en-US" smtClean="0"/>
-              <a:t>4/27/2020</a:t>
+              <a:t>4/30/2020</a:t>
             </a:fld>
             <a:endParaRPr lang="en-US" dirty="0"/>
           </a:p>
@@ -2110,7 +2110,7 @@
           <a:p>
             <a:fld id="{04C4989A-474C-40DE-95B9-011C28B71673}" type="datetime1">
               <a:rPr lang="en-US" smtClean="0"/>
-              <a:t>4/27/2020</a:t>
+              <a:t>4/30/2020</a:t>
             </a:fld>
             <a:endParaRPr lang="en-US" dirty="0"/>
           </a:p>
@@ -2233,7 +2233,7 @@
           <a:p>
             <a:fld id="{5DB4ED54-5B5E-4A04-93D3-5772E3CE3818}" type="datetime1">
               <a:rPr lang="en-US" smtClean="0"/>
-              <a:t>4/27/2020</a:t>
+              <a:t>4/30/2020</a:t>
             </a:fld>
             <a:endParaRPr lang="en-US" dirty="0"/>
           </a:p>
@@ -2328,7 +2328,7 @@
           <a:p>
             <a:fld id="{4EDE50D6-574B-40AF-946F-D52A04ADE379}" type="datetime1">
               <a:rPr lang="en-US" smtClean="0"/>
-              <a:t>4/27/2020</a:t>
+              <a:t>4/30/2020</a:t>
             </a:fld>
             <a:endParaRPr lang="en-US" dirty="0"/>
           </a:p>
@@ -2705,7 +2705,7 @@
           <a:p>
             <a:fld id="{D82884F1-FFEA-405F-9602-3DCA865EDA4E}" type="datetime1">
               <a:rPr lang="en-US" smtClean="0"/>
-              <a:t>4/27/2020</a:t>
+              <a:t>4/30/2020</a:t>
             </a:fld>
             <a:endParaRPr lang="en-US" dirty="0"/>
           </a:p>
@@ -2998,7 +2998,7 @@
           <a:p>
             <a:fld id="{7E18DB4A-8810-4A10-AD5C-D5E2C667F5B3}" type="datetime1">
               <a:rPr lang="en-US" smtClean="0"/>
-              <a:t>4/27/2020</a:t>
+              <a:t>4/30/2020</a:t>
             </a:fld>
             <a:endParaRPr lang="en-US" dirty="0"/>
           </a:p>
@@ -3213,7 +3213,7 @@
           <a:p>
             <a:fld id="{ED291B17-9318-49DB-B28B-6E5994AE9581}" type="datetime1">
               <a:rPr lang="en-US" smtClean="0"/>
-              <a:t>4/27/2020</a:t>
+              <a:t>4/30/2020</a:t>
             </a:fld>
             <a:endParaRPr lang="en-US" dirty="0"/>
           </a:p>
@@ -4970,7 +4970,7 @@
             <p:ph idx="1"/>
             <p:extLst>
               <p:ext uri="{D42A27DB-BD31-4B8C-83A1-F6EECF244321}">
-                <p14:modId xmlns:p14="http://schemas.microsoft.com/office/powerpoint/2010/main" val="3821389803"/>
+                <p14:modId xmlns:p14="http://schemas.microsoft.com/office/powerpoint/2010/main" val="2559950341"/>
               </p:ext>
             </p:extLst>
           </p:nvPr>
@@ -6211,16 +6211,19 @@
                         </a:spcAft>
                       </a:pPr>
                       <a:r>
-                        <a:rPr lang="en-CA" sz="1300">
+                        <a:rPr lang="en-CA" sz="1300" dirty="0">
                           <a:effectLst/>
                           <a:highlight>
                             <a:srgbClr val="00FF00"/>
                           </a:highlight>
                         </a:rPr>
-                        <a:t>0.13345</a:t>
+                        <a:t>0.13327</a:t>
                       </a:r>
-                      <a:endParaRPr lang="en-CA" sz="1300">
+                      <a:endParaRPr lang="en-CA" sz="1300" dirty="0">
                         <a:effectLst/>
+                        <a:highlight>
+                          <a:srgbClr val="00FF00"/>
+                        </a:highlight>
                         <a:latin typeface="Calibri" panose="020F0502020204030204" pitchFamily="34" charset="0"/>
                         <a:ea typeface="Calibri" panose="020F0502020204030204" pitchFamily="34" charset="0"/>
                         <a:cs typeface="Times New Roman" panose="02020603050405020304" pitchFamily="18" charset="0"/>

--- a/CapstoneProject1/FinalFiles/Final Presentation.pptx
+++ b/CapstoneProject1/FinalFiles/Final Presentation.pptx
@@ -16,6 +16,8 @@
     <p:sldId id="263" r:id="rId10"/>
     <p:sldId id="265" r:id="rId11"/>
     <p:sldId id="266" r:id="rId12"/>
+    <p:sldId id="267" r:id="rId13"/>
+    <p:sldId id="268" r:id="rId14"/>
   </p:sldIdLst>
   <p:sldSz cx="12192000" cy="6858000"/>
   <p:notesSz cx="6858000" cy="9144000"/>
@@ -6414,6 +6416,185 @@
 </p:sld>
 </file>
 
+<file path=ppt/slides/slide12.xml><?xml version="1.0" encoding="utf-8"?>
+<p:sld xmlns:a="http://schemas.openxmlformats.org/drawingml/2006/main" xmlns:r="http://schemas.openxmlformats.org/officeDocument/2006/relationships" xmlns:p="http://schemas.openxmlformats.org/presentationml/2006/main">
+  <p:cSld>
+    <p:spTree>
+      <p:nvGrpSpPr>
+        <p:cNvPr id="1" name=""/>
+        <p:cNvGrpSpPr/>
+        <p:nvPr/>
+      </p:nvGrpSpPr>
+      <p:grpSpPr>
+        <a:xfrm>
+          <a:off x="0" y="0"/>
+          <a:ext cx="0" cy="0"/>
+          <a:chOff x="0" y="0"/>
+          <a:chExt cx="0" cy="0"/>
+        </a:xfrm>
+      </p:grpSpPr>
+      <p:sp>
+        <p:nvSpPr>
+          <p:cNvPr id="2" name="Title 1">
+            <a:extLst>
+              <a:ext uri="{FF2B5EF4-FFF2-40B4-BE49-F238E27FC236}">
+                <a16:creationId xmlns:a16="http://schemas.microsoft.com/office/drawing/2014/main" id="{3A0957B8-48F8-48ED-A718-152E23AE8ABA}"/>
+              </a:ext>
+            </a:extLst>
+          </p:cNvPr>
+          <p:cNvSpPr>
+            <a:spLocks noGrp="1"/>
+          </p:cNvSpPr>
+          <p:nvPr>
+            <p:ph type="title"/>
+          </p:nvPr>
+        </p:nvSpPr>
+        <p:spPr/>
+        <p:txBody>
+          <a:bodyPr/>
+          <a:lstStyle/>
+          <a:p>
+            <a:r>
+              <a:rPr lang="en-CA" dirty="0"/>
+              <a:t>Exploring the best model (1 / 2) – Most relevant features</a:t>
+            </a:r>
+          </a:p>
+        </p:txBody>
+      </p:sp>
+      <p:pic>
+        <p:nvPicPr>
+          <p:cNvPr id="5" name="Picture 4">
+            <a:extLst>
+              <a:ext uri="{FF2B5EF4-FFF2-40B4-BE49-F238E27FC236}">
+                <a16:creationId xmlns:a16="http://schemas.microsoft.com/office/drawing/2014/main" id="{CF7A5126-84A5-4C10-831F-8B57D7C18BFC}"/>
+              </a:ext>
+            </a:extLst>
+          </p:cNvPr>
+          <p:cNvPicPr/>
+          <p:nvPr/>
+        </p:nvPicPr>
+        <p:blipFill rotWithShape="1">
+          <a:blip r:embed="rId2"/>
+          <a:srcRect b="2591"/>
+          <a:stretch/>
+        </p:blipFill>
+        <p:spPr bwMode="auto">
+          <a:xfrm>
+            <a:off x="1681991" y="2109624"/>
+            <a:ext cx="8724279" cy="4132149"/>
+          </a:xfrm>
+          <a:prstGeom prst="rect">
+            <a:avLst/>
+          </a:prstGeom>
+          <a:ln>
+            <a:noFill/>
+          </a:ln>
+          <a:extLst>
+            <a:ext uri="{53640926-AAD7-44D8-BBD7-CCE9431645EC}">
+              <a14:shadowObscured xmlns:a14="http://schemas.microsoft.com/office/drawing/2010/main"/>
+            </a:ext>
+          </a:extLst>
+        </p:spPr>
+      </p:pic>
+    </p:spTree>
+    <p:extLst>
+      <p:ext uri="{BB962C8B-B14F-4D97-AF65-F5344CB8AC3E}">
+        <p14:creationId xmlns:p14="http://schemas.microsoft.com/office/powerpoint/2010/main" val="2844671488"/>
+      </p:ext>
+    </p:extLst>
+  </p:cSld>
+  <p:clrMapOvr>
+    <a:masterClrMapping/>
+  </p:clrMapOvr>
+</p:sld>
+</file>
+
+<file path=ppt/slides/slide13.xml><?xml version="1.0" encoding="utf-8"?>
+<p:sld xmlns:a="http://schemas.openxmlformats.org/drawingml/2006/main" xmlns:r="http://schemas.openxmlformats.org/officeDocument/2006/relationships" xmlns:p="http://schemas.openxmlformats.org/presentationml/2006/main">
+  <p:cSld>
+    <p:spTree>
+      <p:nvGrpSpPr>
+        <p:cNvPr id="1" name=""/>
+        <p:cNvGrpSpPr/>
+        <p:nvPr/>
+      </p:nvGrpSpPr>
+      <p:grpSpPr>
+        <a:xfrm>
+          <a:off x="0" y="0"/>
+          <a:ext cx="0" cy="0"/>
+          <a:chOff x="0" y="0"/>
+          <a:chExt cx="0" cy="0"/>
+        </a:xfrm>
+      </p:grpSpPr>
+      <p:sp>
+        <p:nvSpPr>
+          <p:cNvPr id="2" name="Title 1">
+            <a:extLst>
+              <a:ext uri="{FF2B5EF4-FFF2-40B4-BE49-F238E27FC236}">
+                <a16:creationId xmlns:a16="http://schemas.microsoft.com/office/drawing/2014/main" id="{3A0957B8-48F8-48ED-A718-152E23AE8ABA}"/>
+              </a:ext>
+            </a:extLst>
+          </p:cNvPr>
+          <p:cNvSpPr>
+            <a:spLocks noGrp="1"/>
+          </p:cNvSpPr>
+          <p:nvPr>
+            <p:ph type="title"/>
+          </p:nvPr>
+        </p:nvSpPr>
+        <p:spPr/>
+        <p:txBody>
+          <a:bodyPr/>
+          <a:lstStyle/>
+          <a:p>
+            <a:r>
+              <a:rPr lang="en-CA" dirty="0"/>
+              <a:t>Exploring the best model (2 / 2) – Quality of predictions</a:t>
+            </a:r>
+          </a:p>
+        </p:txBody>
+      </p:sp>
+      <p:pic>
+        <p:nvPicPr>
+          <p:cNvPr id="4" name="Picture 3">
+            <a:extLst>
+              <a:ext uri="{FF2B5EF4-FFF2-40B4-BE49-F238E27FC236}">
+                <a16:creationId xmlns:a16="http://schemas.microsoft.com/office/drawing/2014/main" id="{F20DC306-A74B-4FD3-AD62-64734A288E6A}"/>
+              </a:ext>
+            </a:extLst>
+          </p:cNvPr>
+          <p:cNvPicPr/>
+          <p:nvPr/>
+        </p:nvPicPr>
+        <p:blipFill>
+          <a:blip r:embed="rId2"/>
+          <a:stretch>
+            <a:fillRect/>
+          </a:stretch>
+        </p:blipFill>
+        <p:spPr>
+          <a:xfrm>
+            <a:off x="2953370" y="2223882"/>
+            <a:ext cx="6608073" cy="3931962"/>
+          </a:xfrm>
+          <a:prstGeom prst="rect">
+            <a:avLst/>
+          </a:prstGeom>
+        </p:spPr>
+      </p:pic>
+    </p:spTree>
+    <p:extLst>
+      <p:ext uri="{BB962C8B-B14F-4D97-AF65-F5344CB8AC3E}">
+        <p14:creationId xmlns:p14="http://schemas.microsoft.com/office/powerpoint/2010/main" val="3876421448"/>
+      </p:ext>
+    </p:extLst>
+  </p:cSld>
+  <p:clrMapOvr>
+    <a:masterClrMapping/>
+  </p:clrMapOvr>
+</p:sld>
+</file>
+
 <file path=ppt/slides/slide2.xml><?xml version="1.0" encoding="utf-8"?>
 <p:sld xmlns:a="http://schemas.openxmlformats.org/drawingml/2006/main" xmlns:r="http://schemas.openxmlformats.org/officeDocument/2006/relationships" xmlns:p="http://schemas.openxmlformats.org/presentationml/2006/main">
   <p:cSld>

--- a/CapstoneProject1/FinalFiles/Final Presentation.pptx
+++ b/CapstoneProject1/FinalFiles/Final Presentation.pptx
@@ -18,6 +18,7 @@
     <p:sldId id="266" r:id="rId12"/>
     <p:sldId id="267" r:id="rId13"/>
     <p:sldId id="268" r:id="rId14"/>
+    <p:sldId id="269" r:id="rId15"/>
   </p:sldIdLst>
   <p:sldSz cx="12192000" cy="6858000"/>
   <p:notesSz cx="6858000" cy="9144000"/>
@@ -362,7 +363,7 @@
           <a:p>
             <a:fld id="{ED291B17-9318-49DB-B28B-6E5994AE9581}" type="datetime1">
               <a:rPr lang="en-US" smtClean="0"/>
-              <a:t>4/30/2020</a:t>
+              <a:t>5/1/2020</a:t>
             </a:fld>
             <a:endParaRPr lang="en-US" dirty="0"/>
           </a:p>
@@ -565,7 +566,7 @@
           <a:p>
             <a:fld id="{2CED4963-E985-44C4-B8C4-FDD613B7C2F8}" type="datetime1">
               <a:rPr lang="en-US" smtClean="0"/>
-              <a:t>4/30/2020</a:t>
+              <a:t>5/1/2020</a:t>
             </a:fld>
             <a:endParaRPr lang="en-US" dirty="0"/>
           </a:p>
@@ -927,7 +928,7 @@
           <a:p>
             <a:fld id="{ED291B17-9318-49DB-B28B-6E5994AE9581}" type="datetime1">
               <a:rPr lang="en-US" smtClean="0"/>
-              <a:t>4/30/2020</a:t>
+              <a:t>5/1/2020</a:t>
             </a:fld>
             <a:endParaRPr lang="en-US" dirty="0"/>
           </a:p>
@@ -1125,7 +1126,7 @@
           <a:p>
             <a:fld id="{78DD82B9-B8EE-4375-B6FF-88FA6ABB15D9}" type="datetime1">
               <a:rPr lang="en-US" smtClean="0"/>
-              <a:t>4/30/2020</a:t>
+              <a:t>5/1/2020</a:t>
             </a:fld>
             <a:endParaRPr lang="en-US" dirty="0"/>
           </a:p>
@@ -1437,7 +1438,7 @@
           <a:p>
             <a:fld id="{B2497495-0637-405E-AE64-5CC7506D51F5}" type="datetime1">
               <a:rPr lang="en-US" smtClean="0"/>
-              <a:t>4/30/2020</a:t>
+              <a:t>5/1/2020</a:t>
             </a:fld>
             <a:endParaRPr lang="en-US" dirty="0"/>
           </a:p>
@@ -1690,7 +1691,7 @@
           <a:p>
             <a:fld id="{7BFFD690-9426-415D-8B65-26881E07B2D4}" type="datetime1">
               <a:rPr lang="en-US" smtClean="0"/>
-              <a:t>4/30/2020</a:t>
+              <a:t>5/1/2020</a:t>
             </a:fld>
             <a:endParaRPr lang="en-US" dirty="0"/>
           </a:p>
@@ -2112,7 +2113,7 @@
           <a:p>
             <a:fld id="{04C4989A-474C-40DE-95B9-011C28B71673}" type="datetime1">
               <a:rPr lang="en-US" smtClean="0"/>
-              <a:t>4/30/2020</a:t>
+              <a:t>5/1/2020</a:t>
             </a:fld>
             <a:endParaRPr lang="en-US" dirty="0"/>
           </a:p>
@@ -2235,7 +2236,7 @@
           <a:p>
             <a:fld id="{5DB4ED54-5B5E-4A04-93D3-5772E3CE3818}" type="datetime1">
               <a:rPr lang="en-US" smtClean="0"/>
-              <a:t>4/30/2020</a:t>
+              <a:t>5/1/2020</a:t>
             </a:fld>
             <a:endParaRPr lang="en-US" dirty="0"/>
           </a:p>
@@ -2330,7 +2331,7 @@
           <a:p>
             <a:fld id="{4EDE50D6-574B-40AF-946F-D52A04ADE379}" type="datetime1">
               <a:rPr lang="en-US" smtClean="0"/>
-              <a:t>4/30/2020</a:t>
+              <a:t>5/1/2020</a:t>
             </a:fld>
             <a:endParaRPr lang="en-US" dirty="0"/>
           </a:p>
@@ -2707,7 +2708,7 @@
           <a:p>
             <a:fld id="{D82884F1-FFEA-405F-9602-3DCA865EDA4E}" type="datetime1">
               <a:rPr lang="en-US" smtClean="0"/>
-              <a:t>4/30/2020</a:t>
+              <a:t>5/1/2020</a:t>
             </a:fld>
             <a:endParaRPr lang="en-US" dirty="0"/>
           </a:p>
@@ -3000,7 +3001,7 @@
           <a:p>
             <a:fld id="{7E18DB4A-8810-4A10-AD5C-D5E2C667F5B3}" type="datetime1">
               <a:rPr lang="en-US" smtClean="0"/>
-              <a:t>4/30/2020</a:t>
+              <a:t>5/1/2020</a:t>
             </a:fld>
             <a:endParaRPr lang="en-US" dirty="0"/>
           </a:p>
@@ -3215,7 +3216,7 @@
           <a:p>
             <a:fld id="{ED291B17-9318-49DB-B28B-6E5994AE9581}" type="datetime1">
               <a:rPr lang="en-US" smtClean="0"/>
-              <a:t>4/30/2020</a:t>
+              <a:t>5/1/2020</a:t>
             </a:fld>
             <a:endParaRPr lang="en-US" dirty="0"/>
           </a:p>
@@ -4972,13 +4973,13 @@
             <p:ph idx="1"/>
             <p:extLst>
               <p:ext uri="{D42A27DB-BD31-4B8C-83A1-F6EECF244321}">
-                <p14:modId xmlns:p14="http://schemas.microsoft.com/office/powerpoint/2010/main" val="2559950341"/>
+                <p14:modId xmlns:p14="http://schemas.microsoft.com/office/powerpoint/2010/main" val="1623216309"/>
               </p:ext>
             </p:extLst>
           </p:nvPr>
         </p:nvGraphicFramePr>
         <p:xfrm>
-          <a:off x="676487" y="2159000"/>
+          <a:off x="2889039" y="2158999"/>
           <a:ext cx="5838614" cy="4079907"/>
         </p:xfrm>
         <a:graphic>
@@ -5326,12 +5327,12 @@
                         </a:spcAft>
                       </a:pPr>
                       <a:r>
-                        <a:rPr lang="en-CA" sz="1300">
+                        <a:rPr lang="en-CA" sz="1300" dirty="0">
                           <a:effectLst/>
                         </a:rPr>
                         <a:t>0.19921</a:t>
                       </a:r>
-                      <a:endParaRPr lang="en-CA" sz="1300">
+                      <a:endParaRPr lang="en-CA" sz="1300" dirty="0">
                         <a:effectLst/>
                         <a:latin typeface="Calibri" panose="020F0502020204030204" pitchFamily="34" charset="0"/>
                         <a:ea typeface="Calibri" panose="020F0502020204030204" pitchFamily="34" charset="0"/>
@@ -6290,8 +6291,8 @@
         </p:nvSpPr>
         <p:spPr>
           <a:xfrm>
-            <a:off x="6810375" y="2057400"/>
-            <a:ext cx="4514850" cy="1200329"/>
+            <a:off x="9152710" y="1512347"/>
+            <a:ext cx="2048690" cy="1200329"/>
           </a:xfrm>
           <a:prstGeom prst="rect">
             <a:avLst/>
@@ -6305,23 +6306,23 @@
           <a:lstStyle/>
           <a:p>
             <a:r>
-              <a:rPr lang="en-CA" dirty="0"/>
+              <a:rPr lang="en-CA" sz="1200" dirty="0"/>
               <a:t>Kaggle uses RMSE (Root-Mean-Squared-Error) between log Predicted and log Observed.</a:t>
             </a:r>
           </a:p>
           <a:p>
-            <a:endParaRPr lang="en-CA" dirty="0"/>
-          </a:p>
-          <a:p>
-            <a:r>
-              <a:rPr lang="en-CA" dirty="0"/>
+            <a:endParaRPr lang="en-CA" sz="1200" dirty="0"/>
+          </a:p>
+          <a:p>
+            <a:r>
+              <a:rPr lang="en-CA" sz="1200" dirty="0"/>
               <a:t>Local score = R</a:t>
             </a:r>
             <a:r>
-              <a:rPr lang="en-CA" baseline="30000" dirty="0"/>
+              <a:rPr lang="en-CA" sz="1200" baseline="30000" dirty="0"/>
               <a:t>2</a:t>
             </a:r>
-            <a:endParaRPr lang="en-CA" dirty="0"/>
+            <a:endParaRPr lang="en-CA" sz="1200" dirty="0"/>
           </a:p>
         </p:txBody>
       </p:sp>
@@ -6339,8 +6340,8 @@
         </p:nvSpPr>
         <p:spPr>
           <a:xfrm>
-            <a:off x="6915150" y="4014287"/>
-            <a:ext cx="4286250" cy="369332"/>
+            <a:off x="9152710" y="4014287"/>
+            <a:ext cx="2048690" cy="276999"/>
           </a:xfrm>
           <a:prstGeom prst="rect">
             <a:avLst/>
@@ -6354,7 +6355,7 @@
           <a:lstStyle/>
           <a:p>
             <a:r>
-              <a:rPr lang="en-CA" dirty="0"/>
+              <a:rPr lang="en-CA" sz="1200" dirty="0"/>
               <a:t>Kaggle Benchmark = 0.40890 </a:t>
             </a:r>
           </a:p>
@@ -6374,8 +6375,8 @@
         </p:nvSpPr>
         <p:spPr>
           <a:xfrm>
-            <a:off x="6915150" y="5140177"/>
-            <a:ext cx="4286250" cy="369332"/>
+            <a:off x="9152710" y="5694179"/>
+            <a:ext cx="2048690" cy="461665"/>
           </a:xfrm>
           <a:prstGeom prst="rect">
             <a:avLst/>
@@ -6389,20 +6390,150 @@
           <a:lstStyle/>
           <a:p>
             <a:r>
-              <a:rPr lang="en-CA" dirty="0"/>
+              <a:rPr lang="en-CA" sz="1200" dirty="0"/>
               <a:t>Best model: </a:t>
             </a:r>
             <a:r>
-              <a:rPr lang="en-CA" dirty="0" err="1"/>
+              <a:rPr lang="en-CA" sz="1200" dirty="0" err="1"/>
               <a:t>GradientBoostingRegressor</a:t>
             </a:r>
             <a:r>
-              <a:rPr lang="en-CA" dirty="0"/>
+              <a:rPr lang="en-CA" sz="1200" dirty="0"/>
               <a:t>()</a:t>
             </a:r>
           </a:p>
         </p:txBody>
       </p:sp>
+      <p:sp>
+        <p:nvSpPr>
+          <p:cNvPr id="3" name="Right Brace 2">
+            <a:extLst>
+              <a:ext uri="{FF2B5EF4-FFF2-40B4-BE49-F238E27FC236}">
+                <a16:creationId xmlns:a16="http://schemas.microsoft.com/office/drawing/2014/main" id="{AC3C703F-D053-408A-9349-14A94D087134}"/>
+              </a:ext>
+            </a:extLst>
+          </p:cNvPr>
+          <p:cNvSpPr/>
+          <p:nvPr/>
+        </p:nvSpPr>
+        <p:spPr>
+          <a:xfrm rot="16200000">
+            <a:off x="7451969" y="1283184"/>
+            <a:ext cx="239614" cy="1454993"/>
+          </a:xfrm>
+          <a:prstGeom prst="rightBrace">
+            <a:avLst>
+              <a:gd name="adj1" fmla="val 8333"/>
+              <a:gd name="adj2" fmla="val 50591"/>
+            </a:avLst>
+          </a:prstGeom>
+          <a:ln w="38100"/>
+        </p:spPr>
+        <p:style>
+          <a:lnRef idx="1">
+            <a:schemeClr val="dk1"/>
+          </a:lnRef>
+          <a:fillRef idx="0">
+            <a:schemeClr val="dk1"/>
+          </a:fillRef>
+          <a:effectRef idx="0">
+            <a:schemeClr val="dk1"/>
+          </a:effectRef>
+          <a:fontRef idx="minor">
+            <a:schemeClr val="tx1"/>
+          </a:fontRef>
+        </p:style>
+        <p:txBody>
+          <a:bodyPr rtlCol="0" anchor="ctr"/>
+          <a:lstStyle/>
+          <a:p>
+            <a:pPr algn="ctr"/>
+            <a:endParaRPr lang="en-CA"/>
+          </a:p>
+        </p:txBody>
+      </p:sp>
+      <p:cxnSp>
+        <p:nvCxnSpPr>
+          <p:cNvPr id="9" name="Connector: Elbow 8">
+            <a:extLst>
+              <a:ext uri="{FF2B5EF4-FFF2-40B4-BE49-F238E27FC236}">
+                <a16:creationId xmlns:a16="http://schemas.microsoft.com/office/drawing/2014/main" id="{A98F3516-529F-434D-A35B-00E71E60AB0E}"/>
+              </a:ext>
+            </a:extLst>
+          </p:cNvPr>
+          <p:cNvCxnSpPr>
+            <a:cxnSpLocks/>
+          </p:cNvCxnSpPr>
+          <p:nvPr/>
+        </p:nvCxnSpPr>
+        <p:spPr>
+          <a:xfrm flipV="1">
+            <a:off x="7571778" y="1622750"/>
+            <a:ext cx="1572333" cy="2"/>
+          </a:xfrm>
+          <a:prstGeom prst="bentConnector3">
+            <a:avLst>
+              <a:gd name="adj1" fmla="val 50000"/>
+            </a:avLst>
+          </a:prstGeom>
+          <a:ln w="28575">
+            <a:tailEnd type="triangle"/>
+          </a:ln>
+        </p:spPr>
+        <p:style>
+          <a:lnRef idx="1">
+            <a:schemeClr val="dk1"/>
+          </a:lnRef>
+          <a:fillRef idx="0">
+            <a:schemeClr val="dk1"/>
+          </a:fillRef>
+          <a:effectRef idx="0">
+            <a:schemeClr val="dk1"/>
+          </a:effectRef>
+          <a:fontRef idx="minor">
+            <a:schemeClr val="tx1"/>
+          </a:fontRef>
+        </p:style>
+      </p:cxnSp>
+      <p:cxnSp>
+        <p:nvCxnSpPr>
+          <p:cNvPr id="14" name="Straight Connector 13">
+            <a:extLst>
+              <a:ext uri="{FF2B5EF4-FFF2-40B4-BE49-F238E27FC236}">
+                <a16:creationId xmlns:a16="http://schemas.microsoft.com/office/drawing/2014/main" id="{067954B2-D755-40EA-A5D8-366DC3E1F648}"/>
+              </a:ext>
+            </a:extLst>
+          </p:cNvPr>
+          <p:cNvCxnSpPr>
+            <a:endCxn id="3" idx="1"/>
+          </p:cNvCxnSpPr>
+          <p:nvPr/>
+        </p:nvCxnSpPr>
+        <p:spPr>
+          <a:xfrm>
+            <a:off x="7571776" y="1622750"/>
+            <a:ext cx="8600" cy="268123"/>
+          </a:xfrm>
+          <a:prstGeom prst="line">
+            <a:avLst/>
+          </a:prstGeom>
+          <a:ln w="28575"/>
+        </p:spPr>
+        <p:style>
+          <a:lnRef idx="1">
+            <a:schemeClr val="dk1"/>
+          </a:lnRef>
+          <a:fillRef idx="0">
+            <a:schemeClr val="dk1"/>
+          </a:fillRef>
+          <a:effectRef idx="0">
+            <a:schemeClr val="dk1"/>
+          </a:effectRef>
+          <a:fontRef idx="minor">
+            <a:schemeClr val="tx1"/>
+          </a:fontRef>
+        </p:style>
+      </p:cxnSp>
     </p:spTree>
     <p:extLst>
       <p:ext uri="{BB962C8B-B14F-4D97-AF65-F5344CB8AC3E}">
@@ -6586,6 +6717,104 @@
     <p:extLst>
       <p:ext uri="{BB962C8B-B14F-4D97-AF65-F5344CB8AC3E}">
         <p14:creationId xmlns:p14="http://schemas.microsoft.com/office/powerpoint/2010/main" val="3876421448"/>
+      </p:ext>
+    </p:extLst>
+  </p:cSld>
+  <p:clrMapOvr>
+    <a:masterClrMapping/>
+  </p:clrMapOvr>
+</p:sld>
+</file>
+
+<file path=ppt/slides/slide14.xml><?xml version="1.0" encoding="utf-8"?>
+<p:sld xmlns:a="http://schemas.openxmlformats.org/drawingml/2006/main" xmlns:r="http://schemas.openxmlformats.org/officeDocument/2006/relationships" xmlns:p="http://schemas.openxmlformats.org/presentationml/2006/main">
+  <p:cSld>
+    <p:spTree>
+      <p:nvGrpSpPr>
+        <p:cNvPr id="1" name=""/>
+        <p:cNvGrpSpPr/>
+        <p:nvPr/>
+      </p:nvGrpSpPr>
+      <p:grpSpPr>
+        <a:xfrm>
+          <a:off x="0" y="0"/>
+          <a:ext cx="0" cy="0"/>
+          <a:chOff x="0" y="0"/>
+          <a:chExt cx="0" cy="0"/>
+        </a:xfrm>
+      </p:grpSpPr>
+      <p:sp>
+        <p:nvSpPr>
+          <p:cNvPr id="2" name="Title 1">
+            <a:extLst>
+              <a:ext uri="{FF2B5EF4-FFF2-40B4-BE49-F238E27FC236}">
+                <a16:creationId xmlns:a16="http://schemas.microsoft.com/office/drawing/2014/main" id="{E4280C7B-3CF4-4737-862C-623E302AFBEF}"/>
+              </a:ext>
+            </a:extLst>
+          </p:cNvPr>
+          <p:cNvSpPr>
+            <a:spLocks noGrp="1"/>
+          </p:cNvSpPr>
+          <p:nvPr>
+            <p:ph type="title"/>
+          </p:nvPr>
+        </p:nvSpPr>
+        <p:spPr/>
+        <p:txBody>
+          <a:bodyPr/>
+          <a:lstStyle/>
+          <a:p>
+            <a:r>
+              <a:rPr lang="en-CA" dirty="0"/>
+              <a:t>Key takeaways</a:t>
+            </a:r>
+          </a:p>
+        </p:txBody>
+      </p:sp>
+      <p:sp>
+        <p:nvSpPr>
+          <p:cNvPr id="3" name="Content Placeholder 2">
+            <a:extLst>
+              <a:ext uri="{FF2B5EF4-FFF2-40B4-BE49-F238E27FC236}">
+                <a16:creationId xmlns:a16="http://schemas.microsoft.com/office/drawing/2014/main" id="{CEA617A8-672F-4662-8E0B-B289EE07E206}"/>
+              </a:ext>
+            </a:extLst>
+          </p:cNvPr>
+          <p:cNvSpPr>
+            <a:spLocks noGrp="1"/>
+          </p:cNvSpPr>
+          <p:nvPr>
+            <p:ph idx="1"/>
+          </p:nvPr>
+        </p:nvSpPr>
+        <p:spPr/>
+        <p:txBody>
+          <a:bodyPr/>
+          <a:lstStyle/>
+          <a:p>
+            <a:r>
+              <a:rPr lang="en-CA" dirty="0"/>
+              <a:t>Houses that undergo home improvements tend to be sold for more.</a:t>
+            </a:r>
+          </a:p>
+          <a:p>
+            <a:r>
+              <a:rPr lang="en-CA" dirty="0"/>
+              <a:t>Our Machine Learning model can successfully estimate the increase in the Selling Price due to a home improvement.</a:t>
+            </a:r>
+          </a:p>
+          <a:p>
+            <a:r>
+              <a:rPr lang="en-CA" dirty="0"/>
+              <a:t>Home improvement service providers could greatly benefit from this project, by providing a list of services, the cost and potential increase in the selling price.</a:t>
+            </a:r>
+          </a:p>
+        </p:txBody>
+      </p:sp>
+    </p:spTree>
+    <p:extLst>
+      <p:ext uri="{BB962C8B-B14F-4D97-AF65-F5344CB8AC3E}">
+        <p14:creationId xmlns:p14="http://schemas.microsoft.com/office/powerpoint/2010/main" val="2548766652"/>
       </p:ext>
     </p:extLst>
   </p:cSld>
